--- a/outputs/legend_context.pptx
+++ b/outputs/legend_context.pptx
@@ -3108,10 +3108,10 @@
         </p:nvGrpSpPr>
         <p:grpSpPr>
           <a:xfrm>
-            <a:off x="1471613" y="1374775"/>
-            <a:ext cx="4619625" cy="2581275"/>
-            <a:chOff x="1471613" y="1374775"/>
-            <a:chExt cx="4619625" cy="2581275"/>
+            <a:off x="1190625" y="1112838"/>
+            <a:ext cx="5181600" cy="3105150"/>
+            <a:chOff x="1190625" y="1112838"/>
+            <a:chExt cx="5181600" cy="3105150"/>
           </a:xfrm>
         </p:grpSpPr>
         <p:sp>
@@ -3122,8 +3122,8 @@
           </p:nvSpPr>
           <p:spPr>
             <a:xfrm>
-              <a:off x="1471612" y="1374775"/>
-              <a:ext cx="4619625" cy="2581274"/>
+              <a:off x="1190625" y="1112837"/>
+              <a:ext cx="5181599" cy="3105150"/>
             </a:xfrm>
             <a:prstGeom prst="rect">
               <a:avLst/>
@@ -3151,429 +3151,13 @@
         </p:sp>
         <p:sp>
           <p:nvSpPr>
-            <p:cNvPr id="4" name="rc4"/>
+            <p:cNvPr id="4" name="tx4"/>
             <p:cNvSpPr/>
             <p:nvPr/>
           </p:nvSpPr>
           <p:spPr>
             <a:xfrm>
-              <a:off x="1508514" y="1492105"/>
-              <a:ext cx="221414" cy="2346613"/>
-            </a:xfrm>
-            <a:prstGeom prst="rect">
-              <a:avLst/>
-            </a:prstGeom>
-            <a:solidFill>
-              <a:srgbClr val="D3E585">
-                <a:alpha val="100000"/>
-              </a:srgbClr>
-            </a:solidFill>
-          </p:spPr>
-          <p:txBody>
-            <a:bodyPr/>
-            <a:lstStyle/>
-            <a:p/>
-          </p:txBody>
-        </p:sp>
-        <p:sp>
-          <p:nvSpPr>
-            <p:cNvPr id="5" name="rc5"/>
-            <p:cNvSpPr/>
-            <p:nvPr/>
-          </p:nvSpPr>
-          <p:spPr>
-            <a:xfrm>
-              <a:off x="1754530" y="1492105"/>
-              <a:ext cx="221414" cy="2346613"/>
-            </a:xfrm>
-            <a:prstGeom prst="rect">
-              <a:avLst/>
-            </a:prstGeom>
-            <a:solidFill>
-              <a:srgbClr val="A6A6A6">
-                <a:alpha val="100000"/>
-              </a:srgbClr>
-            </a:solidFill>
-          </p:spPr>
-          <p:txBody>
-            <a:bodyPr/>
-            <a:lstStyle/>
-            <a:p/>
-          </p:txBody>
-        </p:sp>
-        <p:sp>
-          <p:nvSpPr>
-            <p:cNvPr id="6" name="rc6"/>
-            <p:cNvSpPr/>
-            <p:nvPr/>
-          </p:nvSpPr>
-          <p:spPr>
-            <a:xfrm>
-              <a:off x="2000546" y="1492105"/>
-              <a:ext cx="221414" cy="2346613"/>
-            </a:xfrm>
-            <a:prstGeom prst="rect">
-              <a:avLst/>
-            </a:prstGeom>
-            <a:solidFill>
-              <a:srgbClr val="D3E585">
-                <a:alpha val="100000"/>
-              </a:srgbClr>
-            </a:solidFill>
-          </p:spPr>
-          <p:txBody>
-            <a:bodyPr/>
-            <a:lstStyle/>
-            <a:p/>
-          </p:txBody>
-        </p:sp>
-        <p:sp>
-          <p:nvSpPr>
-            <p:cNvPr id="7" name="rc7"/>
-            <p:cNvSpPr/>
-            <p:nvPr/>
-          </p:nvSpPr>
-          <p:spPr>
-            <a:xfrm>
-              <a:off x="2246562" y="1492105"/>
-              <a:ext cx="221414" cy="2346613"/>
-            </a:xfrm>
-            <a:prstGeom prst="rect">
-              <a:avLst/>
-            </a:prstGeom>
-            <a:solidFill>
-              <a:srgbClr val="FFE771">
-                <a:alpha val="100000"/>
-              </a:srgbClr>
-            </a:solidFill>
-          </p:spPr>
-          <p:txBody>
-            <a:bodyPr/>
-            <a:lstStyle/>
-            <a:p/>
-          </p:txBody>
-        </p:sp>
-        <p:sp>
-          <p:nvSpPr>
-            <p:cNvPr id="8" name="rc8"/>
-            <p:cNvSpPr/>
-            <p:nvPr/>
-          </p:nvSpPr>
-          <p:spPr>
-            <a:xfrm>
-              <a:off x="2492577" y="1492105"/>
-              <a:ext cx="221414" cy="2346613"/>
-            </a:xfrm>
-            <a:prstGeom prst="rect">
-              <a:avLst/>
-            </a:prstGeom>
-            <a:solidFill>
-              <a:srgbClr val="A6A6A6">
-                <a:alpha val="100000"/>
-              </a:srgbClr>
-            </a:solidFill>
-          </p:spPr>
-          <p:txBody>
-            <a:bodyPr/>
-            <a:lstStyle/>
-            <a:p/>
-          </p:txBody>
-        </p:sp>
-        <p:sp>
-          <p:nvSpPr>
-            <p:cNvPr id="9" name="rc9"/>
-            <p:cNvSpPr/>
-            <p:nvPr/>
-          </p:nvSpPr>
-          <p:spPr>
-            <a:xfrm>
-              <a:off x="2738593" y="1492105"/>
-              <a:ext cx="221414" cy="2346613"/>
-            </a:xfrm>
-            <a:prstGeom prst="rect">
-              <a:avLst/>
-            </a:prstGeom>
-            <a:solidFill>
-              <a:srgbClr val="D3E585">
-                <a:alpha val="100000"/>
-              </a:srgbClr>
-            </a:solidFill>
-          </p:spPr>
-          <p:txBody>
-            <a:bodyPr/>
-            <a:lstStyle/>
-            <a:p/>
-          </p:txBody>
-        </p:sp>
-        <p:sp>
-          <p:nvSpPr>
-            <p:cNvPr id="10" name="rc10"/>
-            <p:cNvSpPr/>
-            <p:nvPr/>
-          </p:nvSpPr>
-          <p:spPr>
-            <a:xfrm>
-              <a:off x="2984609" y="1492105"/>
-              <a:ext cx="221414" cy="2346613"/>
-            </a:xfrm>
-            <a:prstGeom prst="rect">
-              <a:avLst/>
-            </a:prstGeom>
-            <a:solidFill>
-              <a:srgbClr val="FFE771">
-                <a:alpha val="100000"/>
-              </a:srgbClr>
-            </a:solidFill>
-          </p:spPr>
-          <p:txBody>
-            <a:bodyPr/>
-            <a:lstStyle/>
-            <a:p/>
-          </p:txBody>
-        </p:sp>
-        <p:sp>
-          <p:nvSpPr>
-            <p:cNvPr id="11" name="rc11"/>
-            <p:cNvSpPr/>
-            <p:nvPr/>
-          </p:nvSpPr>
-          <p:spPr>
-            <a:xfrm>
-              <a:off x="3230625" y="1492105"/>
-              <a:ext cx="221414" cy="2346613"/>
-            </a:xfrm>
-            <a:prstGeom prst="rect">
-              <a:avLst/>
-            </a:prstGeom>
-            <a:solidFill>
-              <a:srgbClr val="FFE771">
-                <a:alpha val="100000"/>
-              </a:srgbClr>
-            </a:solidFill>
-          </p:spPr>
-          <p:txBody>
-            <a:bodyPr/>
-            <a:lstStyle/>
-            <a:p/>
-          </p:txBody>
-        </p:sp>
-        <p:sp>
-          <p:nvSpPr>
-            <p:cNvPr id="12" name="rc12"/>
-            <p:cNvSpPr/>
-            <p:nvPr/>
-          </p:nvSpPr>
-          <p:spPr>
-            <a:xfrm>
-              <a:off x="3476641" y="1492105"/>
-              <a:ext cx="221414" cy="2346613"/>
-            </a:xfrm>
-            <a:prstGeom prst="rect">
-              <a:avLst/>
-            </a:prstGeom>
-            <a:solidFill>
-              <a:srgbClr val="FFE771">
-                <a:alpha val="100000"/>
-              </a:srgbClr>
-            </a:solidFill>
-          </p:spPr>
-          <p:txBody>
-            <a:bodyPr/>
-            <a:lstStyle/>
-            <a:p/>
-          </p:txBody>
-        </p:sp>
-        <p:sp>
-          <p:nvSpPr>
-            <p:cNvPr id="13" name="rc13"/>
-            <p:cNvSpPr/>
-            <p:nvPr/>
-          </p:nvSpPr>
-          <p:spPr>
-            <a:xfrm>
-              <a:off x="3722656" y="1492105"/>
-              <a:ext cx="221414" cy="2346613"/>
-            </a:xfrm>
-            <a:prstGeom prst="rect">
-              <a:avLst/>
-            </a:prstGeom>
-            <a:solidFill>
-              <a:srgbClr val="FFE771">
-                <a:alpha val="100000"/>
-              </a:srgbClr>
-            </a:solidFill>
-          </p:spPr>
-          <p:txBody>
-            <a:bodyPr/>
-            <a:lstStyle/>
-            <a:p/>
-          </p:txBody>
-        </p:sp>
-        <p:sp>
-          <p:nvSpPr>
-            <p:cNvPr id="14" name="rc14"/>
-            <p:cNvSpPr/>
-            <p:nvPr/>
-          </p:nvSpPr>
-          <p:spPr>
-            <a:xfrm>
-              <a:off x="3968672" y="1492105"/>
-              <a:ext cx="221414" cy="2346613"/>
-            </a:xfrm>
-            <a:prstGeom prst="rect">
-              <a:avLst/>
-            </a:prstGeom>
-            <a:solidFill>
-              <a:srgbClr val="FFE771">
-                <a:alpha val="100000"/>
-              </a:srgbClr>
-            </a:solidFill>
-          </p:spPr>
-          <p:txBody>
-            <a:bodyPr/>
-            <a:lstStyle/>
-            <a:p/>
-          </p:txBody>
-        </p:sp>
-        <p:sp>
-          <p:nvSpPr>
-            <p:cNvPr id="15" name="rc15"/>
-            <p:cNvSpPr/>
-            <p:nvPr/>
-          </p:nvSpPr>
-          <p:spPr>
-            <a:xfrm>
-              <a:off x="4214688" y="1492105"/>
-              <a:ext cx="221414" cy="2346613"/>
-            </a:xfrm>
-            <a:prstGeom prst="rect">
-              <a:avLst/>
-            </a:prstGeom>
-            <a:solidFill>
-              <a:srgbClr val="D3E585">
-                <a:alpha val="100000"/>
-              </a:srgbClr>
-            </a:solidFill>
-          </p:spPr>
-          <p:txBody>
-            <a:bodyPr/>
-            <a:lstStyle/>
-            <a:p/>
-          </p:txBody>
-        </p:sp>
-        <p:sp>
-          <p:nvSpPr>
-            <p:cNvPr id="16" name="rc16"/>
-            <p:cNvSpPr/>
-            <p:nvPr/>
-          </p:nvSpPr>
-          <p:spPr>
-            <a:xfrm>
-              <a:off x="4460704" y="1492105"/>
-              <a:ext cx="221414" cy="2346613"/>
-            </a:xfrm>
-            <a:prstGeom prst="rect">
-              <a:avLst/>
-            </a:prstGeom>
-            <a:solidFill>
-              <a:srgbClr val="FFE771">
-                <a:alpha val="100000"/>
-              </a:srgbClr>
-            </a:solidFill>
-          </p:spPr>
-          <p:txBody>
-            <a:bodyPr/>
-            <a:lstStyle/>
-            <a:p/>
-          </p:txBody>
-        </p:sp>
-        <p:sp>
-          <p:nvSpPr>
-            <p:cNvPr id="17" name="rc17"/>
-            <p:cNvSpPr/>
-            <p:nvPr/>
-          </p:nvSpPr>
-          <p:spPr>
-            <a:xfrm>
-              <a:off x="4706719" y="1492105"/>
-              <a:ext cx="221414" cy="2346613"/>
-            </a:xfrm>
-            <a:prstGeom prst="rect">
-              <a:avLst/>
-            </a:prstGeom>
-            <a:solidFill>
-              <a:srgbClr val="A6A6A6">
-                <a:alpha val="100000"/>
-              </a:srgbClr>
-            </a:solidFill>
-          </p:spPr>
-          <p:txBody>
-            <a:bodyPr/>
-            <a:lstStyle/>
-            <a:p/>
-          </p:txBody>
-        </p:sp>
-        <p:sp>
-          <p:nvSpPr>
-            <p:cNvPr id="18" name="rc18"/>
-            <p:cNvSpPr/>
-            <p:nvPr/>
-          </p:nvSpPr>
-          <p:spPr>
-            <a:xfrm>
-              <a:off x="4952735" y="1492105"/>
-              <a:ext cx="221414" cy="2346613"/>
-            </a:xfrm>
-            <a:prstGeom prst="rect">
-              <a:avLst/>
-            </a:prstGeom>
-            <a:solidFill>
-              <a:srgbClr val="E3AA84">
-                <a:alpha val="100000"/>
-              </a:srgbClr>
-            </a:solidFill>
-          </p:spPr>
-          <p:txBody>
-            <a:bodyPr/>
-            <a:lstStyle/>
-            <a:p/>
-          </p:txBody>
-        </p:sp>
-        <p:sp>
-          <p:nvSpPr>
-            <p:cNvPr id="19" name="rc19"/>
-            <p:cNvSpPr/>
-            <p:nvPr/>
-          </p:nvSpPr>
-          <p:spPr>
-            <a:xfrm>
-              <a:off x="5198751" y="1492105"/>
-              <a:ext cx="221414" cy="2346613"/>
-            </a:xfrm>
-            <a:prstGeom prst="rect">
-              <a:avLst/>
-            </a:prstGeom>
-            <a:solidFill>
-              <a:srgbClr val="E3AA84">
-                <a:alpha val="100000"/>
-              </a:srgbClr>
-            </a:solidFill>
-          </p:spPr>
-          <p:txBody>
-            <a:bodyPr/>
-            <a:lstStyle/>
-            <a:p/>
-          </p:txBody>
-        </p:sp>
-        <p:sp>
-          <p:nvSpPr>
-            <p:cNvPr id="20" name="tx20"/>
-            <p:cNvSpPr/>
-            <p:nvPr/>
-          </p:nvSpPr>
-          <p:spPr>
-            <a:xfrm>
-              <a:off x="5529068" y="2138295"/>
+              <a:off x="3498789" y="2138295"/>
               <a:ext cx="481446" cy="103410"/>
             </a:xfrm>
             <a:prstGeom prst="rect">
@@ -3613,14 +3197,14 @@
         </p:sp>
         <p:sp>
           <p:nvSpPr>
-            <p:cNvPr id="21" name="rc21"/>
+            <p:cNvPr id="5" name="rc5"/>
             <p:cNvSpPr/>
             <p:nvPr/>
           </p:nvSpPr>
           <p:spPr>
             <a:xfrm>
-              <a:off x="5538068" y="2334994"/>
-              <a:ext cx="201455" cy="201455"/>
+              <a:off x="3507789" y="2341732"/>
+              <a:ext cx="201456" cy="201455"/>
             </a:xfrm>
             <a:prstGeom prst="rect">
               <a:avLst/>
@@ -3639,14 +3223,14 @@
         </p:sp>
         <p:sp>
           <p:nvSpPr>
-            <p:cNvPr id="22" name="rc22"/>
+            <p:cNvPr id="6" name="rc6"/>
             <p:cNvSpPr/>
             <p:nvPr/>
           </p:nvSpPr>
           <p:spPr>
             <a:xfrm>
-              <a:off x="5538068" y="2554450"/>
-              <a:ext cx="201455" cy="201455"/>
+              <a:off x="3507789" y="2561188"/>
+              <a:ext cx="201456" cy="201456"/>
             </a:xfrm>
             <a:prstGeom prst="rect">
               <a:avLst/>
@@ -3665,14 +3249,14 @@
         </p:sp>
         <p:sp>
           <p:nvSpPr>
-            <p:cNvPr id="23" name="rc23"/>
+            <p:cNvPr id="7" name="rc7"/>
             <p:cNvSpPr/>
             <p:nvPr/>
           </p:nvSpPr>
           <p:spPr>
             <a:xfrm>
-              <a:off x="5538068" y="2773906"/>
-              <a:ext cx="201455" cy="201456"/>
+              <a:off x="3507789" y="2780644"/>
+              <a:ext cx="201456" cy="201455"/>
             </a:xfrm>
             <a:prstGeom prst="rect">
               <a:avLst/>
@@ -3691,14 +3275,14 @@
         </p:sp>
         <p:sp>
           <p:nvSpPr>
-            <p:cNvPr id="24" name="rc24"/>
+            <p:cNvPr id="8" name="rc8"/>
             <p:cNvSpPr/>
             <p:nvPr/>
           </p:nvSpPr>
           <p:spPr>
             <a:xfrm>
-              <a:off x="5538068" y="2993362"/>
-              <a:ext cx="201455" cy="201456"/>
+              <a:off x="3507789" y="3000100"/>
+              <a:ext cx="201456" cy="201456"/>
             </a:xfrm>
             <a:prstGeom prst="rect">
               <a:avLst/>
@@ -3717,13 +3301,13 @@
         </p:sp>
         <p:sp>
           <p:nvSpPr>
-            <p:cNvPr id="25" name="tx25"/>
+            <p:cNvPr id="9" name="tx9"/>
             <p:cNvSpPr/>
             <p:nvPr/>
           </p:nvSpPr>
           <p:spPr>
             <a:xfrm>
-              <a:off x="5818113" y="2392939"/>
+              <a:off x="3787835" y="2399677"/>
               <a:ext cx="273124" cy="82783"/>
             </a:xfrm>
             <a:prstGeom prst="rect">
@@ -3763,13 +3347,13 @@
         </p:sp>
         <p:sp>
           <p:nvSpPr>
-            <p:cNvPr id="26" name="tx26"/>
+            <p:cNvPr id="10" name="tx10"/>
             <p:cNvSpPr/>
             <p:nvPr/>
           </p:nvSpPr>
           <p:spPr>
             <a:xfrm>
-              <a:off x="5818113" y="2613814"/>
+              <a:off x="3787835" y="2620552"/>
               <a:ext cx="155252" cy="81364"/>
             </a:xfrm>
             <a:prstGeom prst="rect">
@@ -3809,13 +3393,13 @@
         </p:sp>
         <p:sp>
           <p:nvSpPr>
-            <p:cNvPr id="27" name="tx27"/>
+            <p:cNvPr id="11" name="tx11"/>
             <p:cNvSpPr/>
             <p:nvPr/>
           </p:nvSpPr>
           <p:spPr>
             <a:xfrm>
-              <a:off x="5818113" y="2831906"/>
+              <a:off x="3787835" y="2838643"/>
               <a:ext cx="229795" cy="82728"/>
             </a:xfrm>
             <a:prstGeom prst="rect">
@@ -3855,13 +3439,13 @@
         </p:sp>
         <p:sp>
           <p:nvSpPr>
-            <p:cNvPr id="28" name="tx28"/>
+            <p:cNvPr id="12" name="tx12"/>
             <p:cNvSpPr/>
             <p:nvPr/>
           </p:nvSpPr>
           <p:spPr>
             <a:xfrm>
-              <a:off x="5818113" y="3051362"/>
+              <a:off x="3787835" y="3058099"/>
               <a:ext cx="229795" cy="82728"/>
             </a:xfrm>
             <a:prstGeom prst="rect">

--- a/outputs/legend_context.pptx
+++ b/outputs/legend_context.pptx
@@ -3108,10 +3108,10 @@
         </p:nvGrpSpPr>
         <p:grpSpPr>
           <a:xfrm>
-            <a:off x="1190625" y="1112838"/>
-            <a:ext cx="5181600" cy="3105150"/>
-            <a:chOff x="1190625" y="1112838"/>
-            <a:chExt cx="5181600" cy="3105150"/>
+            <a:off x="1190625" y="1079500"/>
+            <a:ext cx="5181600" cy="3171825"/>
+            <a:chOff x="1190625" y="1079500"/>
+            <a:chExt cx="5181600" cy="3171825"/>
           </a:xfrm>
         </p:grpSpPr>
         <p:sp>
@@ -3122,8 +3122,8 @@
           </p:nvSpPr>
           <p:spPr>
             <a:xfrm>
-              <a:off x="1190625" y="1112837"/>
-              <a:ext cx="5181599" cy="3105150"/>
+              <a:off x="1190625" y="1079499"/>
+              <a:ext cx="5181599" cy="3171825"/>
             </a:xfrm>
             <a:prstGeom prst="rect">
               <a:avLst/>
@@ -3204,7 +3204,7 @@
           <p:spPr>
             <a:xfrm>
               <a:off x="3507789" y="2341732"/>
-              <a:ext cx="201456" cy="201455"/>
+              <a:ext cx="201456" cy="201456"/>
             </a:xfrm>
             <a:prstGeom prst="rect">
               <a:avLst/>
